--- a/trunk/De Cuong/bao cao luan van/slide 0.3.pptx
+++ b/trunk/De Cuong/bao cao luan van/slide 0.3.pptx
@@ -12027,7 +12027,6 @@
               <a:rPr lang="en-US" sz="2200" dirty="0" smtClean="0"/>
               <a:t>.</a:t>
             </a:r>
-            <a:endParaRPr lang="en-US" sz="2200" dirty="0" smtClean="0"/>
           </a:p>
           <a:p>
             <a:pPr lvl="1" algn="just"/>
@@ -12073,11 +12072,7 @@
             <a:pPr lvl="1"/>
             <a:r>
               <a:rPr lang="en-US" sz="2200" dirty="0" smtClean="0"/>
-              <a:t>Tập </a:t>
-            </a:r>
-            <a:r>
-              <a:rPr lang="en-US" sz="2200" dirty="0" smtClean="0"/>
-              <a:t>tin </a:t>
+              <a:t>Tập tin </a:t>
             </a:r>
             <a:r>
               <a:rPr lang="en-US" sz="2200" dirty="0" err="1" smtClean="0"/>
@@ -12205,15 +12200,7 @@
             </a:r>
             <a:r>
               <a:rPr lang="en-US" sz="1800" dirty="0" smtClean="0"/>
-              <a:t> </a:t>
-            </a:r>
-            <a:r>
-              <a:rPr lang="en-US" sz="1800" dirty="0" smtClean="0"/>
-              <a:t>khóa </a:t>
-            </a:r>
-            <a:r>
-              <a:rPr lang="en-US" sz="1800" dirty="0" smtClean="0"/>
-              <a:t>luận</a:t>
+              <a:t> khóa luận</a:t>
             </a:r>
             <a:r>
               <a:rPr lang="vi-VN" sz="1800" dirty="0" smtClean="0"/>
@@ -12771,8 +12758,8 @@
         </p:nvSpPr>
         <p:spPr>
           <a:xfrm>
-            <a:off x="5638800" y="1143000"/>
-            <a:ext cx="2971800" cy="923330"/>
+            <a:off x="0" y="6396335"/>
+            <a:ext cx="8915400" cy="369332"/>
           </a:xfrm>
           <a:prstGeom prst="rect">
             <a:avLst/>
@@ -12784,6 +12771,7 @@
           </a:bodyPr>
           <a:lstStyle/>
           <a:p>
+            <a:pPr algn="ctr"/>
             <a:r>
               <a:rPr lang="vi-VN" dirty="0" smtClean="0"/>
               <a:t>Hình 4 – Mô hình minh họa các bước xử lý câu hỏi người dùng</a:t>
@@ -14711,6 +14699,39 @@
           </p:txBody>
         </p:sp>
       </p:grpSp>
+      <p:pic>
+        <p:nvPicPr>
+          <p:cNvPr id="4098" name="Picture 2"/>
+          <p:cNvPicPr>
+            <a:picLocks noChangeAspect="1" noChangeArrowheads="1"/>
+          </p:cNvPicPr>
+          <p:nvPr/>
+        </p:nvPicPr>
+        <p:blipFill>
+          <a:blip r:embed="rId4"/>
+          <a:srcRect/>
+          <a:stretch>
+            <a:fillRect/>
+          </a:stretch>
+        </p:blipFill>
+        <p:spPr bwMode="auto">
+          <a:xfrm>
+            <a:off x="5130818" y="838200"/>
+            <a:ext cx="4013182" cy="228599"/>
+          </a:xfrm>
+          <a:prstGeom prst="rect">
+            <a:avLst/>
+          </a:prstGeom>
+          <a:noFill/>
+          <a:ln w="9525">
+            <a:noFill/>
+            <a:miter lim="800000"/>
+            <a:headEnd/>
+            <a:tailEnd/>
+          </a:ln>
+          <a:effectLst/>
+        </p:spPr>
+      </p:pic>
     </p:spTree>
   </p:cSld>
   <p:clrMapOvr>
@@ -15427,6 +15448,151 @@
                       </p:childTnLst>
                     </p:cTn>
                   </p:par>
+                  <p:par>
+                    <p:cTn id="66" fill="hold">
+                      <p:stCondLst>
+                        <p:cond delay="indefinite"/>
+                      </p:stCondLst>
+                      <p:childTnLst>
+                        <p:par>
+                          <p:cTn id="67" fill="hold">
+                            <p:stCondLst>
+                              <p:cond delay="0"/>
+                            </p:stCondLst>
+                            <p:childTnLst>
+                              <p:par>
+                                <p:cTn id="68" presetID="3" presetClass="entr" presetSubtype="10" fill="hold" nodeType="clickEffect">
+                                  <p:stCondLst>
+                                    <p:cond delay="0"/>
+                                  </p:stCondLst>
+                                  <p:childTnLst>
+                                    <p:set>
+                                      <p:cBhvr>
+                                        <p:cTn id="69" dur="1" fill="hold">
+                                          <p:stCondLst>
+                                            <p:cond delay="0"/>
+                                          </p:stCondLst>
+                                        </p:cTn>
+                                        <p:tgtEl>
+                                          <p:spTgt spid="4098"/>
+                                        </p:tgtEl>
+                                        <p:attrNameLst>
+                                          <p:attrName>style.visibility</p:attrName>
+                                        </p:attrNameLst>
+                                      </p:cBhvr>
+                                      <p:to>
+                                        <p:strVal val="visible"/>
+                                      </p:to>
+                                    </p:set>
+                                    <p:animEffect transition="in" filter="blinds(horizontal)">
+                                      <p:cBhvr>
+                                        <p:cTn id="70" dur="500"/>
+                                        <p:tgtEl>
+                                          <p:spTgt spid="4098"/>
+                                        </p:tgtEl>
+                                      </p:cBhvr>
+                                    </p:animEffect>
+                                  </p:childTnLst>
+                                </p:cTn>
+                              </p:par>
+                            </p:childTnLst>
+                          </p:cTn>
+                        </p:par>
+                      </p:childTnLst>
+                    </p:cTn>
+                  </p:par>
+                  <p:par>
+                    <p:cTn id="71" fill="hold">
+                      <p:stCondLst>
+                        <p:cond delay="indefinite"/>
+                      </p:stCondLst>
+                      <p:childTnLst>
+                        <p:par>
+                          <p:cTn id="72" fill="hold">
+                            <p:stCondLst>
+                              <p:cond delay="0"/>
+                            </p:stCondLst>
+                            <p:childTnLst>
+                              <p:par>
+                                <p:cTn id="73" presetID="0" presetClass="path" presetSubtype="0" accel="50000" decel="50000" fill="hold" nodeType="clickEffect">
+                                  <p:stCondLst>
+                                    <p:cond delay="0"/>
+                                  </p:stCondLst>
+                                  <p:childTnLst>
+                                    <p:animMotion origin="layout" path="M -0.08056 0.02037 C -0.09688 0.03912 -0.1132 0.0581 -0.14445 0.06481 C -0.1757 0.07153 -0.2474 0.0618 -0.26806 0.06111 " pathEditMode="relative" ptsTypes="aaA">
+                                      <p:cBhvr>
+                                        <p:cTn id="74" dur="2000" fill="hold"/>
+                                        <p:tgtEl>
+                                          <p:spTgt spid="4098"/>
+                                        </p:tgtEl>
+                                        <p:attrNameLst>
+                                          <p:attrName>ppt_x</p:attrName>
+                                          <p:attrName>ppt_y</p:attrName>
+                                        </p:attrNameLst>
+                                      </p:cBhvr>
+                                    </p:animMotion>
+                                  </p:childTnLst>
+                                </p:cTn>
+                              </p:par>
+                            </p:childTnLst>
+                          </p:cTn>
+                        </p:par>
+                      </p:childTnLst>
+                    </p:cTn>
+                  </p:par>
+                  <p:par>
+                    <p:cTn id="75" fill="hold">
+                      <p:stCondLst>
+                        <p:cond delay="indefinite"/>
+                      </p:stCondLst>
+                      <p:childTnLst>
+                        <p:par>
+                          <p:cTn id="76" fill="hold">
+                            <p:stCondLst>
+                              <p:cond delay="0"/>
+                            </p:stCondLst>
+                            <p:childTnLst>
+                              <p:par>
+                                <p:cTn id="77" presetID="3" presetClass="exit" presetSubtype="10" fill="hold" nodeType="clickEffect">
+                                  <p:stCondLst>
+                                    <p:cond delay="0"/>
+                                  </p:stCondLst>
+                                  <p:childTnLst>
+                                    <p:animEffect transition="out" filter="blinds(horizontal)">
+                                      <p:cBhvr>
+                                        <p:cTn id="78" dur="500"/>
+                                        <p:tgtEl>
+                                          <p:spTgt spid="4098"/>
+                                        </p:tgtEl>
+                                      </p:cBhvr>
+                                    </p:animEffect>
+                                    <p:set>
+                                      <p:cBhvr>
+                                        <p:cTn id="79" dur="1" fill="hold">
+                                          <p:stCondLst>
+                                            <p:cond delay="499"/>
+                                          </p:stCondLst>
+                                        </p:cTn>
+                                        <p:tgtEl>
+                                          <p:spTgt spid="4098"/>
+                                        </p:tgtEl>
+                                        <p:attrNameLst>
+                                          <p:attrName>style.visibility</p:attrName>
+                                        </p:attrNameLst>
+                                      </p:cBhvr>
+                                      <p:to>
+                                        <p:strVal val="hidden"/>
+                                      </p:to>
+                                    </p:set>
+                                  </p:childTnLst>
+                                </p:cTn>
+                              </p:par>
+                            </p:childTnLst>
+                          </p:cTn>
+                        </p:par>
+                      </p:childTnLst>
+                    </p:cTn>
+                  </p:par>
                 </p:childTnLst>
               </p:cTn>
               <p:prevCondLst>
